--- a/web/b25/0 Information Meeting.pptx
+++ b/web/b25/0 Information Meeting.pptx
@@ -4657,7 +4657,7 @@
             </a:r>
             <a:r>
               <a:rPr lang="en-GB" altLang="da-DK" sz="2800" dirty="0" smtClean="0"/>
-              <a:t>2024</a:t>
+              <a:t>2025</a:t>
             </a:r>
             <a:endParaRPr lang="en-GB" altLang="da-DK" sz="2800" dirty="0"/>
           </a:p>
@@ -5006,7 +5006,15 @@
             </a:pPr>
             <a:r>
               <a:rPr lang="en-GB" altLang="da-DK" sz="1600" spc="-30" dirty="0" smtClean="0"/>
-              <a:t>Meet advisors from the different research group (outside auditorium)</a:t>
+              <a:t>Meet advisors from the different research </a:t>
+            </a:r>
+            <a:r>
+              <a:rPr lang="en-GB" altLang="da-DK" sz="1600" spc="-30" dirty="0" smtClean="0"/>
+              <a:t>groups </a:t>
+            </a:r>
+            <a:r>
+              <a:rPr lang="en-GB" altLang="da-DK" sz="1600" spc="-30" dirty="0" smtClean="0"/>
+              <a:t>(outside auditorium)</a:t>
             </a:r>
             <a:endParaRPr lang="en-GB" altLang="da-DK" sz="1600" spc="-30" dirty="0"/>
           </a:p>
@@ -5412,15 +5420,24 @@
               <a:buChar char="•"/>
             </a:pPr>
             <a:r>
-              <a:rPr lang="en-GB" altLang="da-DK" sz="1800" b="1" spc="-30" dirty="0" smtClean="0">
+              <a:rPr lang="en-GB" altLang="da-DK" sz="1800" b="1" spc="-100" dirty="0" smtClean="0">
                 <a:solidFill>
                   <a:srgbClr val="A50021"/>
                 </a:solidFill>
                 <a:cs typeface="ＭＳ Ｐゴシック" charset="0"/>
               </a:rPr>
-              <a:t>The contract should be updated with regular intervals during your project</a:t>
-            </a:r>
-            <a:endParaRPr lang="en-GB" altLang="da-DK" sz="1800" b="1" spc="-30" dirty="0">
+              <a:t>It is a good idea to update the contract </a:t>
+            </a:r>
+            <a:r>
+              <a:rPr lang="en-GB" altLang="da-DK" sz="1800" b="1" spc="-100" dirty="0" smtClean="0">
+                <a:solidFill>
+                  <a:srgbClr val="A50021"/>
+                </a:solidFill>
+                <a:cs typeface="ＭＳ Ｐゴシック" charset="0"/>
+              </a:rPr>
+              <a:t>with regular intervals during your project</a:t>
+            </a:r>
+            <a:endParaRPr lang="en-GB" altLang="da-DK" sz="1800" b="1" spc="-100" dirty="0">
               <a:solidFill>
                 <a:srgbClr val="A50021"/>
               </a:solidFill>
@@ -5596,7 +5613,7 @@
         <p:spPr>
           <a:xfrm>
             <a:off x="468312" y="1052736"/>
-            <a:ext cx="8424168" cy="5184576"/>
+            <a:ext cx="8675688" cy="5184576"/>
           </a:xfrm>
           <a:noFill/>
         </p:spPr>
@@ -5633,12 +5650,12 @@
               </a:spcBef>
             </a:pPr>
             <a:r>
-              <a:rPr lang="en-GB" altLang="da-DK" sz="1600" dirty="0"/>
-              <a:t>Lecture: </a:t>
+              <a:rPr lang="en-GB" altLang="da-DK" sz="1600" b="1" dirty="0" smtClean="0"/>
+              <a:t>How </a:t>
             </a:r>
             <a:r>
               <a:rPr lang="en-GB" altLang="da-DK" sz="1600" b="1" dirty="0"/>
-              <a:t>How to make a useful </a:t>
+              <a:t>to make a useful </a:t>
             </a:r>
             <a:r>
               <a:rPr lang="en-GB" altLang="da-DK" sz="1600" b="1" dirty="0" smtClean="0"/>
@@ -5710,19 +5727,27 @@
               </a:spcBef>
             </a:pPr>
             <a:r>
-              <a:rPr lang="en-US" altLang="da-DK" sz="1600" dirty="0"/>
-              <a:t>Lecture: </a:t>
-            </a:r>
-            <a:r>
-              <a:rPr lang="en-US" altLang="da-DK" sz="1600" b="1" dirty="0"/>
-              <a:t>How to write an academic paper</a:t>
-            </a:r>
-            <a:r>
-              <a:rPr lang="en-US" altLang="da-DK" sz="1600" dirty="0"/>
-              <a:t> (by Kurt Jensen</a:t>
-            </a:r>
-            <a:r>
-              <a:rPr lang="en-US" altLang="da-DK" sz="1600" dirty="0" smtClean="0"/>
+              <a:rPr lang="en-US" altLang="da-DK" sz="1600" b="1" spc="-30" dirty="0" smtClean="0"/>
+              <a:t>How </a:t>
+            </a:r>
+            <a:r>
+              <a:rPr lang="en-US" altLang="da-DK" sz="1600" b="1" spc="-30" dirty="0"/>
+              <a:t>to write an academic </a:t>
+            </a:r>
+            <a:r>
+              <a:rPr lang="en-US" altLang="da-DK" sz="1600" b="1" spc="-30" dirty="0" smtClean="0"/>
+              <a:t>paper and make an oral presentation of it</a:t>
+            </a:r>
+            <a:r>
+              <a:rPr lang="en-US" altLang="da-DK" sz="1600" spc="-30" dirty="0" smtClean="0"/>
+              <a:t> </a:t>
+            </a:r>
+            <a:r>
+              <a:rPr lang="en-US" altLang="da-DK" sz="1600" spc="-50" dirty="0"/>
+              <a:t>(by Kurt Jensen</a:t>
+            </a:r>
+            <a:r>
+              <a:rPr lang="en-US" altLang="da-DK" sz="1600" spc="-50" dirty="0"/>
               <a:t>)</a:t>
             </a:r>
           </a:p>
@@ -5756,16 +5781,12 @@
               </a:spcBef>
             </a:pPr>
             <a:r>
-              <a:rPr lang="en-US" altLang="da-DK" sz="1600" dirty="0"/>
-              <a:t>Lecture</a:t>
-            </a:r>
-            <a:r>
-              <a:rPr lang="en-US" altLang="da-DK" sz="1600" dirty="0" smtClean="0"/>
-              <a:t>: </a:t>
+              <a:rPr lang="en-US" altLang="da-DK" sz="1600" b="1" dirty="0" smtClean="0"/>
+              <a:t>Publication </a:t>
             </a:r>
             <a:r>
               <a:rPr lang="en-US" altLang="da-DK" sz="1600" b="1" dirty="0"/>
-              <a:t>Publication traditions and literature search</a:t>
+              <a:t>traditions and literature search</a:t>
             </a:r>
             <a:r>
               <a:rPr lang="en-US" altLang="da-DK" sz="1600" dirty="0"/>
@@ -5802,20 +5823,20 @@
               </a:spcBef>
             </a:pPr>
             <a:r>
+              <a:rPr lang="en-US" altLang="da-DK" sz="1600" b="1" dirty="0"/>
+              <a:t>Generative AI in bachelor projects (rules and possibilities)</a:t>
+            </a:r>
+            <a:r>
+              <a:rPr lang="en-US" altLang="da-DK" sz="1600" dirty="0" smtClean="0"/>
+              <a:t> </a:t>
+            </a:r>
+            <a:r>
               <a:rPr lang="en-US" altLang="da-DK" sz="1600" dirty="0"/>
-              <a:t>Lecture: </a:t>
-            </a:r>
-            <a:r>
-              <a:rPr lang="en-US" altLang="da-DK" sz="1600" b="1" dirty="0"/>
-              <a:t>How to make a good oral presentation at the exam</a:t>
-            </a:r>
-            <a:r>
-              <a:rPr lang="en-US" altLang="da-DK" sz="1600" dirty="0"/>
-              <a:t> (by Kurt Jensen</a:t>
+              <a:t>(by </a:t>
             </a:r>
             <a:r>
               <a:rPr lang="en-US" altLang="da-DK" sz="1600" dirty="0" smtClean="0"/>
-              <a:t>)</a:t>
+              <a:t>Niels Olof Bouvin)</a:t>
             </a:r>
             <a:endParaRPr lang="en-US" altLang="da-DK" sz="1600" dirty="0"/>
           </a:p>
@@ -5833,7 +5854,16 @@
                 </a:solidFill>
                 <a:cs typeface="ＭＳ Ｐゴシック" charset="0"/>
               </a:rPr>
-              <a:t>Week 14</a:t>
+              <a:t>Week </a:t>
+            </a:r>
+            <a:r>
+              <a:rPr lang="en-US" altLang="da-DK" sz="1800" b="1" dirty="0" smtClean="0">
+                <a:solidFill>
+                  <a:srgbClr val="A50021"/>
+                </a:solidFill>
+                <a:cs typeface="ＭＳ Ｐゴシック" charset="0"/>
+              </a:rPr>
+              <a:t>13</a:t>
             </a:r>
             <a:endParaRPr lang="en-US" altLang="da-DK" sz="1800" b="1" dirty="0">
               <a:solidFill>
@@ -5849,16 +5879,12 @@
               </a:spcBef>
             </a:pPr>
             <a:r>
-              <a:rPr lang="en-US" altLang="da-DK" sz="1600" dirty="0"/>
-              <a:t>Lecture</a:t>
-            </a:r>
-            <a:r>
-              <a:rPr lang="en-US" altLang="da-DK" sz="1600" dirty="0" smtClean="0"/>
-              <a:t>: </a:t>
+              <a:rPr lang="en-US" altLang="da-DK" sz="1600" b="1" dirty="0" smtClean="0"/>
+              <a:t>How </a:t>
             </a:r>
             <a:r>
               <a:rPr lang="en-US" altLang="da-DK" sz="1600" b="1" dirty="0"/>
-              <a:t>How to make proper charts and graphs</a:t>
+              <a:t>to make proper charts and graphs</a:t>
             </a:r>
             <a:r>
               <a:rPr lang="en-US" altLang="da-DK" sz="1600" dirty="0"/>
@@ -6054,7 +6080,11 @@
             </a:pPr>
             <a:r>
               <a:rPr lang="en-GB" altLang="da-DK" sz="1600" dirty="0" smtClean="0"/>
-              <a:t>Posting on “</a:t>
+              <a:t>Postings </a:t>
+            </a:r>
+            <a:r>
+              <a:rPr lang="en-GB" altLang="da-DK" sz="1600" dirty="0" smtClean="0"/>
+              <a:t>on “</a:t>
             </a:r>
             <a:r>
               <a:rPr lang="en-GB" altLang="da-DK" sz="1600" noProof="1" smtClean="0"/>
@@ -6211,12 +6241,28 @@
             </a:r>
             <a:r>
               <a:rPr lang="en-GB" altLang="da-DK" sz="1600" b="1" dirty="0" smtClean="0"/>
-              <a:t>Material from the individual research groups</a:t>
+              <a:t>Material from the individual research </a:t>
+            </a:r>
+            <a:r>
+              <a:rPr lang="en-GB" altLang="da-DK" sz="1600" b="1" dirty="0" smtClean="0"/>
+              <a:t>groups</a:t>
             </a:r>
             <a:r>
               <a:rPr lang="en-GB" altLang="da-DK" sz="1600" dirty="0" smtClean="0"/>
-              <a:t>"</a:t>
-            </a:r>
+              <a:t>“</a:t>
+            </a:r>
+          </a:p>
+          <a:p>
+            <a:pPr marL="728663" lvl="1" indent="-271463">
+              <a:spcBef>
+                <a:spcPts val="300"/>
+              </a:spcBef>
+            </a:pPr>
+            <a:r>
+              <a:rPr lang="en-GB" altLang="da-DK" sz="1600" dirty="0" smtClean="0"/>
+              <a:t>Most of these pages are empty, but 2-3 research groups use them</a:t>
+            </a:r>
+            <a:endParaRPr lang="en-GB" altLang="da-DK" sz="1600" dirty="0" smtClean="0"/>
           </a:p>
         </p:txBody>
       </p:sp>
@@ -7127,8 +7173,37 @@
                   <a:srgbClr val="A50021"/>
                 </a:solidFill>
               </a:rPr>
-              <a:t>There will be a total of approximately 105 students doing their cs / it bachelor project in the Spring of 2024</a:t>
-            </a:r>
+              <a:t>There will be a total of approximately </a:t>
+            </a:r>
+            <a:r>
+              <a:rPr lang="en-GB" altLang="da-DK" sz="1800" b="1" dirty="0" smtClean="0">
+                <a:solidFill>
+                  <a:srgbClr val="A50021"/>
+                </a:solidFill>
+              </a:rPr>
+              <a:t>115 </a:t>
+            </a:r>
+            <a:r>
+              <a:rPr lang="en-GB" altLang="da-DK" sz="1800" b="1" dirty="0" smtClean="0">
+                <a:solidFill>
+                  <a:srgbClr val="A50021"/>
+                </a:solidFill>
+              </a:rPr>
+              <a:t>students doing their cs / it bachelor project in the Spring of </a:t>
+            </a:r>
+            <a:r>
+              <a:rPr lang="en-GB" altLang="da-DK" sz="1800" b="1" dirty="0" smtClean="0">
+                <a:solidFill>
+                  <a:srgbClr val="A50021"/>
+                </a:solidFill>
+              </a:rPr>
+              <a:t>2025</a:t>
+            </a:r>
+            <a:endParaRPr lang="en-GB" altLang="da-DK" sz="1800" b="1" dirty="0" smtClean="0">
+              <a:solidFill>
+                <a:srgbClr val="A50021"/>
+              </a:solidFill>
+            </a:endParaRPr>
           </a:p>
           <a:p>
             <a:pPr marL="728663" lvl="1" indent="-271463">
@@ -7138,18 +7213,35 @@
             </a:pPr>
             <a:r>
               <a:rPr lang="en-GB" altLang="da-DK" sz="1600" dirty="0" smtClean="0"/>
-              <a:t>Approximately 80 within cs, and 25 within it product development</a:t>
-            </a:r>
-          </a:p>
-          <a:p>
-            <a:pPr marL="728663" lvl="1" indent="-271463">
-              <a:spcBef>
-                <a:spcPts val="600"/>
-              </a:spcBef>
-            </a:pPr>
+              <a:t>Officially</a:t>
+            </a:r>
             <a:r>
               <a:rPr lang="en-GB" altLang="da-DK" sz="1600" dirty="0" smtClean="0"/>
-              <a:t>Officially, there are two different bachelor project courses, but in practice, they are organised as a single course with one Brightspace page and common lectures</a:t>
+              <a:t>, there are </a:t>
+            </a:r>
+            <a:r>
+              <a:rPr lang="en-GB" altLang="da-DK" sz="1600" dirty="0" smtClean="0"/>
+              <a:t>three </a:t>
+            </a:r>
+            <a:r>
+              <a:rPr lang="en-GB" altLang="da-DK" sz="1600" dirty="0" smtClean="0"/>
+              <a:t>different bachelor project </a:t>
+            </a:r>
+            <a:r>
+              <a:rPr lang="en-GB" altLang="da-DK" sz="1600" dirty="0" smtClean="0"/>
+              <a:t>courses (one for </a:t>
+            </a:r>
+            <a:r>
+              <a:rPr lang="en-GB" altLang="da-DK" sz="1600" dirty="0" err="1" smtClean="0"/>
+              <a:t>cs</a:t>
+            </a:r>
+            <a:r>
+              <a:rPr lang="en-GB" altLang="da-DK" sz="1600" dirty="0" smtClean="0"/>
+              <a:t>, one for it and one for 10 ECTS projects), </a:t>
+            </a:r>
+            <a:r>
+              <a:rPr lang="en-GB" altLang="da-DK" sz="1600" dirty="0" smtClean="0"/>
+              <a:t>but in practice, they are organised as a single course with one Brightspace page and common lectures</a:t>
             </a:r>
             <a:endParaRPr lang="en-GB" altLang="da-DK" sz="1600" dirty="0" smtClean="0">
               <a:solidFill>
@@ -7194,8 +7286,13 @@
                   <a:srgbClr val="A50021"/>
                 </a:solidFill>
               </a:rPr>
-              <a:t>ECTS</a:t>
-            </a:r>
+              <a:t>ECTS (with a few exceptions)</a:t>
+            </a:r>
+            <a:endParaRPr lang="en-GB" altLang="da-DK" sz="1800" b="1" dirty="0" smtClean="0">
+              <a:solidFill>
+                <a:srgbClr val="A50021"/>
+              </a:solidFill>
+            </a:endParaRPr>
           </a:p>
           <a:p>
             <a:pPr marL="728663" lvl="1" indent="-271463">
@@ -7455,9 +7552,41 @@
               <a:rPr lang="en-US" sz="1600" kern="1200" dirty="0" smtClean="0">
                 <a:latin typeface="Arial" pitchFamily="34" charset="0"/>
                 <a:ea typeface="ＭＳ Ｐゴシック" pitchFamily="34" charset="-128"/>
+              </a:rPr>
+              <a:t>Collaboration </a:t>
+            </a:r>
+            <a:r>
+              <a:rPr lang="en-US" sz="1600" kern="1200" dirty="0">
+                <a:latin typeface="Arial" pitchFamily="34" charset="0"/>
+                <a:ea typeface="ＭＳ Ｐゴシック" pitchFamily="34" charset="-128"/>
+              </a:rPr>
+              <a:t>and Computer-Human Interaction </a:t>
+            </a:r>
+            <a:r>
+              <a:rPr lang="en-US" sz="1600" kern="1200" dirty="0" smtClean="0">
+                <a:latin typeface="Arial" pitchFamily="34" charset="0"/>
+                <a:ea typeface="ＭＳ Ｐゴシック" pitchFamily="34" charset="-128"/>
+              </a:rPr>
+              <a:t>(Eve Hoggan)</a:t>
+            </a:r>
+            <a:endParaRPr lang="en-US" sz="1600" kern="1200" dirty="0">
+              <a:latin typeface="Arial" pitchFamily="34" charset="0"/>
+              <a:ea typeface="ＭＳ Ｐゴシック" pitchFamily="34" charset="-128"/>
+            </a:endParaRPr>
+          </a:p>
+          <a:p>
+            <a:pPr marL="728663" lvl="1" indent="-271463">
+              <a:spcBef>
+                <a:spcPts val="300"/>
+              </a:spcBef>
+            </a:pPr>
+            <a:r>
+              <a:rPr lang="en-US" sz="1600" kern="1200" dirty="0" smtClean="0">
+                <a:latin typeface="Arial" pitchFamily="34" charset="0"/>
+                <a:ea typeface="ＭＳ Ｐゴシック" pitchFamily="34" charset="-128"/>
                 <a:cs typeface="+mn-cs"/>
               </a:rPr>
-              <a:t>Bioinformatics (Christian </a:t>
+              <a:t>Computational </a:t>
             </a:r>
             <a:r>
               <a:rPr lang="en-US" sz="1600" kern="1200" dirty="0">
@@ -7465,7 +7594,7 @@
                 <a:ea typeface="ＭＳ Ｐゴシック" pitchFamily="34" charset="-128"/>
                 <a:cs typeface="+mn-cs"/>
               </a:rPr>
-              <a:t>Storm </a:t>
+              <a:t>Complexity and Game </a:t>
             </a:r>
             <a:r>
               <a:rPr lang="en-US" sz="1600" kern="1200" dirty="0" smtClean="0">
@@ -7473,7 +7602,62 @@
                 <a:ea typeface="ＭＳ Ｐゴシック" pitchFamily="34" charset="-128"/>
                 <a:cs typeface="+mn-cs"/>
               </a:rPr>
-              <a:t>Pedersen)</a:t>
+              <a:t>Theory </a:t>
+            </a:r>
+            <a:r>
+              <a:rPr lang="en-US" sz="1600" kern="1200" dirty="0">
+                <a:latin typeface="Arial" pitchFamily="34" charset="0"/>
+                <a:ea typeface="ＭＳ Ｐゴシック" pitchFamily="34" charset="-128"/>
+                <a:cs typeface="+mn-cs"/>
+              </a:rPr>
+              <a:t>(Kristoffer Arnsfelt Hansen) </a:t>
+            </a:r>
+          </a:p>
+          <a:p>
+            <a:pPr marL="728663" lvl="1" indent="-271463">
+              <a:spcBef>
+                <a:spcPts val="300"/>
+              </a:spcBef>
+            </a:pPr>
+            <a:r>
+              <a:rPr lang="en-US" sz="1600" kern="1200" dirty="0" smtClean="0">
+                <a:latin typeface="Arial" pitchFamily="34" charset="0"/>
+                <a:ea typeface="ＭＳ Ｐゴシック" pitchFamily="34" charset="-128"/>
+                <a:cs typeface="+mn-cs"/>
+              </a:rPr>
+              <a:t>Cryptography </a:t>
+            </a:r>
+            <a:r>
+              <a:rPr lang="en-US" sz="1600" kern="1200" dirty="0">
+                <a:latin typeface="Arial" pitchFamily="34" charset="0"/>
+                <a:ea typeface="ＭＳ Ｐゴシック" pitchFamily="34" charset="-128"/>
+                <a:cs typeface="+mn-cs"/>
+              </a:rPr>
+              <a:t>and </a:t>
+            </a:r>
+            <a:r>
+              <a:rPr lang="en-US" sz="1600" kern="1200" dirty="0" smtClean="0">
+                <a:latin typeface="Arial" pitchFamily="34" charset="0"/>
+                <a:ea typeface="ＭＳ Ｐゴシック" pitchFamily="34" charset="-128"/>
+                <a:cs typeface="+mn-cs"/>
+              </a:rPr>
+              <a:t>Security (Ivan </a:t>
+            </a:r>
+            <a:r>
+              <a:rPr lang="en-US" sz="1600" kern="1200" dirty="0">
+                <a:latin typeface="Arial" pitchFamily="34" charset="0"/>
+                <a:ea typeface="ＭＳ Ｐゴシック" pitchFamily="34" charset="-128"/>
+                <a:cs typeface="+mn-cs"/>
+              </a:rPr>
+              <a:t>Bjerre </a:t>
+            </a:r>
+            <a:r>
+              <a:rPr lang="en-US" sz="1600" kern="1200" dirty="0" smtClean="0">
+                <a:latin typeface="Arial" pitchFamily="34" charset="0"/>
+                <a:ea typeface="ＭＳ Ｐゴシック" pitchFamily="34" charset="-128"/>
+                <a:cs typeface="+mn-cs"/>
+              </a:rPr>
+              <a:t>Damgård)</a:t>
             </a:r>
             <a:endParaRPr lang="en-US" sz="1600" kern="1200" dirty="0">
               <a:latin typeface="Arial" pitchFamily="34" charset="0"/>
@@ -7491,23 +7675,17 @@
               <a:rPr lang="en-US" sz="1600" kern="1200" dirty="0">
                 <a:latin typeface="Arial" pitchFamily="34" charset="0"/>
                 <a:ea typeface="ＭＳ Ｐゴシック" pitchFamily="34" charset="-128"/>
-              </a:rPr>
-              <a:t>Collaboration and Computer-Human Interaction (Susanne Bødker)</a:t>
-            </a:r>
-          </a:p>
-          <a:p>
-            <a:pPr marL="728663" lvl="1" indent="-271463">
-              <a:spcBef>
-                <a:spcPts val="300"/>
-              </a:spcBef>
-            </a:pPr>
+                <a:cs typeface="+mn-cs"/>
+              </a:rPr>
+              <a:t>Data-Intensive </a:t>
+            </a:r>
             <a:r>
               <a:rPr lang="en-US" sz="1600" kern="1200" dirty="0" smtClean="0">
                 <a:latin typeface="Arial" pitchFamily="34" charset="0"/>
                 <a:ea typeface="ＭＳ Ｐゴシック" pitchFamily="34" charset="-128"/>
                 <a:cs typeface="+mn-cs"/>
               </a:rPr>
-              <a:t>Computational </a:t>
+              <a:t>Systems (Ira </a:t>
             </a:r>
             <a:r>
               <a:rPr lang="en-US" sz="1600" kern="1200" dirty="0">
@@ -7515,23 +7693,15 @@
                 <a:ea typeface="ＭＳ Ｐゴシック" pitchFamily="34" charset="-128"/>
                 <a:cs typeface="+mn-cs"/>
               </a:rPr>
-              <a:t>Complexity and Game </a:t>
-            </a:r>
-            <a:r>
-              <a:rPr lang="en-US" sz="1600" kern="1200" smtClean="0">
+              <a:t>Assent &amp; Davide </a:t>
+            </a:r>
+            <a:r>
+              <a:rPr lang="en-US" sz="1600" kern="1200" dirty="0" smtClean="0">
                 <a:latin typeface="Arial" pitchFamily="34" charset="0"/>
                 <a:ea typeface="ＭＳ Ｐゴシック" pitchFamily="34" charset="-128"/>
                 <a:cs typeface="+mn-cs"/>
               </a:rPr>
-              <a:t>Theory </a:t>
-            </a:r>
-            <a:r>
-              <a:rPr lang="en-US" sz="1600" kern="1200">
-                <a:latin typeface="Arial" pitchFamily="34" charset="0"/>
-                <a:ea typeface="ＭＳ Ｐゴシック" pitchFamily="34" charset="-128"/>
-                <a:cs typeface="+mn-cs"/>
-              </a:rPr>
-              <a:t>(Kristoffer Arnsfelt Hansen) </a:t>
+              <a:t>Mottin)</a:t>
             </a:r>
             <a:endParaRPr lang="en-US" sz="1600" kern="1200" dirty="0">
               <a:latin typeface="Arial" pitchFamily="34" charset="0"/>
@@ -7546,45 +7716,80 @@
               </a:spcBef>
             </a:pPr>
             <a:r>
+              <a:rPr lang="en-US" sz="1600" kern="1200" spc="-70" dirty="0">
+                <a:latin typeface="Arial" pitchFamily="34" charset="0"/>
+                <a:ea typeface="ＭＳ Ｐゴシック" pitchFamily="34" charset="-128"/>
+                <a:cs typeface="+mn-cs"/>
+              </a:rPr>
+              <a:t>Logic and Semantics &amp; Programming </a:t>
+            </a:r>
+            <a:r>
+              <a:rPr lang="en-US" sz="1600" kern="1200" spc="-70" dirty="0" smtClean="0">
+                <a:latin typeface="Arial" pitchFamily="34" charset="0"/>
+                <a:ea typeface="ＭＳ Ｐゴシック" pitchFamily="34" charset="-128"/>
+                <a:cs typeface="+mn-cs"/>
+              </a:rPr>
+              <a:t>Languages (Andreas </a:t>
+            </a:r>
+            <a:r>
+              <a:rPr lang="en-US" sz="1600" kern="1200" spc="-70" dirty="0">
+                <a:latin typeface="Arial" pitchFamily="34" charset="0"/>
+                <a:ea typeface="ＭＳ Ｐゴシック" pitchFamily="34" charset="-128"/>
+                <a:cs typeface="+mn-cs"/>
+              </a:rPr>
+              <a:t>Pavlogiannis &amp; Jaco van de </a:t>
+            </a:r>
+            <a:r>
+              <a:rPr lang="en-US" sz="1600" kern="1200" spc="-70" dirty="0" smtClean="0">
+                <a:latin typeface="Arial" pitchFamily="34" charset="0"/>
+                <a:ea typeface="ＭＳ Ｐゴシック" pitchFamily="34" charset="-128"/>
+                <a:cs typeface="+mn-cs"/>
+              </a:rPr>
+              <a:t>Pol)</a:t>
+            </a:r>
+            <a:endParaRPr lang="en-US" sz="1600" kern="1200" spc="-70" dirty="0">
+              <a:latin typeface="Arial" pitchFamily="34" charset="0"/>
+              <a:ea typeface="ＭＳ Ｐゴシック" pitchFamily="34" charset="-128"/>
+              <a:cs typeface="+mn-cs"/>
+            </a:endParaRPr>
+          </a:p>
+          <a:p>
+            <a:pPr marL="728663" lvl="1" indent="-271463">
+              <a:spcBef>
+                <a:spcPts val="300"/>
+              </a:spcBef>
+            </a:pPr>
+            <a:r>
+              <a:rPr lang="en-US" sz="1600" kern="1200" dirty="0">
+                <a:latin typeface="Arial" pitchFamily="34" charset="0"/>
+                <a:ea typeface="ＭＳ Ｐゴシック" pitchFamily="34" charset="-128"/>
+                <a:cs typeface="+mn-cs"/>
+              </a:rPr>
+              <a:t>Ubiquitous Computing and </a:t>
+            </a:r>
+            <a:r>
               <a:rPr lang="en-US" sz="1600" kern="1200" dirty="0" smtClean="0">
                 <a:latin typeface="Arial" pitchFamily="34" charset="0"/>
                 <a:ea typeface="ＭＳ Ｐゴシック" pitchFamily="34" charset="-128"/>
                 <a:cs typeface="+mn-cs"/>
               </a:rPr>
-              <a:t>Cryptography </a:t>
-            </a:r>
-            <a:r>
-              <a:rPr lang="en-US" sz="1600" kern="1200" dirty="0">
+              <a:t>Interaction (Hans-Jörg Schulz</a:t>
+            </a:r>
+            <a:r>
+              <a:rPr lang="en-US" sz="1600" kern="1200" dirty="0" smtClean="0">
                 <a:latin typeface="Arial" pitchFamily="34" charset="0"/>
                 <a:ea typeface="ＭＳ Ｐゴシック" pitchFamily="34" charset="-128"/>
                 <a:cs typeface="+mn-cs"/>
               </a:rPr>
-              <a:t>and </a:t>
-            </a:r>
-            <a:r>
-              <a:rPr lang="en-US" sz="1600" kern="1200" dirty="0" smtClean="0">
-                <a:latin typeface="Arial" pitchFamily="34" charset="0"/>
-                <a:ea typeface="ＭＳ Ｐゴシック" pitchFamily="34" charset="-128"/>
-                <a:cs typeface="+mn-cs"/>
-              </a:rPr>
-              <a:t>Security (Ivan </a:t>
-            </a:r>
-            <a:r>
-              <a:rPr lang="en-US" sz="1600" kern="1200" dirty="0">
-                <a:latin typeface="Arial" pitchFamily="34" charset="0"/>
-                <a:ea typeface="ＭＳ Ｐゴシック" pitchFamily="34" charset="-128"/>
-                <a:cs typeface="+mn-cs"/>
-              </a:rPr>
-              <a:t>Bjerre </a:t>
-            </a:r>
-            <a:r>
-              <a:rPr lang="en-US" sz="1600" kern="1200" dirty="0" smtClean="0">
-                <a:latin typeface="Arial" pitchFamily="34" charset="0"/>
-                <a:ea typeface="ＭＳ Ｐゴシック" pitchFamily="34" charset="-128"/>
-                <a:cs typeface="+mn-cs"/>
-              </a:rPr>
-              <a:t>Damgård)</a:t>
-            </a:r>
+              <a:t>)</a:t>
+            </a:r>
+          </a:p>
+          <a:p>
+            <a:pPr marL="728663" lvl="1" indent="-271463">
+              <a:spcBef>
+                <a:spcPts val="300"/>
+              </a:spcBef>
+            </a:pPr>
             <a:endParaRPr lang="en-US" sz="1600" kern="1200" dirty="0">
               <a:latin typeface="Arial" pitchFamily="34" charset="0"/>
               <a:ea typeface="ＭＳ Ｐゴシック" pitchFamily="34" charset="-128"/>
@@ -7592,114 +7797,19 @@
             </a:endParaRPr>
           </a:p>
           <a:p>
-            <a:pPr marL="728663" lvl="1" indent="-271463">
+            <a:pPr marL="457200" lvl="1" indent="0">
               <a:spcBef>
                 <a:spcPts val="300"/>
               </a:spcBef>
-            </a:pPr>
-            <a:r>
-              <a:rPr lang="en-US" sz="1600" kern="1200" dirty="0">
+              <a:buNone/>
+            </a:pPr>
+            <a:r>
+              <a:rPr lang="en-US" sz="1600" kern="1200" dirty="0" smtClean="0">
                 <a:latin typeface="Arial" pitchFamily="34" charset="0"/>
                 <a:ea typeface="ＭＳ Ｐゴシック" pitchFamily="34" charset="-128"/>
                 <a:cs typeface="+mn-cs"/>
               </a:rPr>
-              <a:t>Data-Intensive </a:t>
-            </a:r>
-            <a:r>
-              <a:rPr lang="en-US" sz="1600" kern="1200" dirty="0" smtClean="0">
-                <a:latin typeface="Arial" pitchFamily="34" charset="0"/>
-                <a:ea typeface="ＭＳ Ｐゴシック" pitchFamily="34" charset="-128"/>
-                <a:cs typeface="+mn-cs"/>
-              </a:rPr>
-              <a:t>Systems (Ira </a:t>
-            </a:r>
-            <a:r>
-              <a:rPr lang="en-US" sz="1600" kern="1200" dirty="0">
-                <a:latin typeface="Arial" pitchFamily="34" charset="0"/>
-                <a:ea typeface="ＭＳ Ｐゴシック" pitchFamily="34" charset="-128"/>
-                <a:cs typeface="+mn-cs"/>
-              </a:rPr>
-              <a:t>Assent &amp; Davide </a:t>
-            </a:r>
-            <a:r>
-              <a:rPr lang="en-US" sz="1600" kern="1200" dirty="0" smtClean="0">
-                <a:latin typeface="Arial" pitchFamily="34" charset="0"/>
-                <a:ea typeface="ＭＳ Ｐゴシック" pitchFamily="34" charset="-128"/>
-                <a:cs typeface="+mn-cs"/>
-              </a:rPr>
-              <a:t>Mottin)</a:t>
-            </a:r>
-            <a:endParaRPr lang="en-US" sz="1600" kern="1200" dirty="0">
-              <a:latin typeface="Arial" pitchFamily="34" charset="0"/>
-              <a:ea typeface="ＭＳ Ｐゴシック" pitchFamily="34" charset="-128"/>
-              <a:cs typeface="+mn-cs"/>
-            </a:endParaRPr>
-          </a:p>
-          <a:p>
-            <a:pPr marL="728663" lvl="1" indent="-271463">
-              <a:spcBef>
-                <a:spcPts val="300"/>
-              </a:spcBef>
-            </a:pPr>
-            <a:r>
-              <a:rPr lang="en-US" sz="1600" kern="1200" spc="-70" dirty="0">
-                <a:latin typeface="Arial" pitchFamily="34" charset="0"/>
-                <a:ea typeface="ＭＳ Ｐゴシック" pitchFamily="34" charset="-128"/>
-                <a:cs typeface="+mn-cs"/>
-              </a:rPr>
-              <a:t>Logic and Semantics &amp; Programming </a:t>
-            </a:r>
-            <a:r>
-              <a:rPr lang="en-US" sz="1600" kern="1200" spc="-70" dirty="0" smtClean="0">
-                <a:latin typeface="Arial" pitchFamily="34" charset="0"/>
-                <a:ea typeface="ＭＳ Ｐゴシック" pitchFamily="34" charset="-128"/>
-                <a:cs typeface="+mn-cs"/>
-              </a:rPr>
-              <a:t>Languages (Andreas </a:t>
-            </a:r>
-            <a:r>
-              <a:rPr lang="en-US" sz="1600" kern="1200" spc="-70" dirty="0">
-                <a:latin typeface="Arial" pitchFamily="34" charset="0"/>
-                <a:ea typeface="ＭＳ Ｐゴシック" pitchFamily="34" charset="-128"/>
-                <a:cs typeface="+mn-cs"/>
-              </a:rPr>
-              <a:t>Pavlogiannis &amp; Jaco van de </a:t>
-            </a:r>
-            <a:r>
-              <a:rPr lang="en-US" sz="1600" kern="1200" spc="-70" dirty="0" smtClean="0">
-                <a:latin typeface="Arial" pitchFamily="34" charset="0"/>
-                <a:ea typeface="ＭＳ Ｐゴシック" pitchFamily="34" charset="-128"/>
-                <a:cs typeface="+mn-cs"/>
-              </a:rPr>
-              <a:t>Pol)</a:t>
-            </a:r>
-            <a:endParaRPr lang="en-US" sz="1600" kern="1200" spc="-70" dirty="0">
-              <a:latin typeface="Arial" pitchFamily="34" charset="0"/>
-              <a:ea typeface="ＭＳ Ｐゴシック" pitchFamily="34" charset="-128"/>
-              <a:cs typeface="+mn-cs"/>
-            </a:endParaRPr>
-          </a:p>
-          <a:p>
-            <a:pPr marL="728663" lvl="1" indent="-271463">
-              <a:spcBef>
-                <a:spcPts val="300"/>
-              </a:spcBef>
-            </a:pPr>
-            <a:r>
-              <a:rPr lang="en-US" sz="1600" kern="1200" dirty="0">
-                <a:latin typeface="Arial" pitchFamily="34" charset="0"/>
-                <a:ea typeface="ＭＳ Ｐゴシック" pitchFamily="34" charset="-128"/>
-                <a:cs typeface="+mn-cs"/>
-              </a:rPr>
-              <a:t>Ubiquitous Computing and </a:t>
-            </a:r>
-            <a:r>
-              <a:rPr lang="en-US" sz="1600" kern="1200" dirty="0" smtClean="0">
-                <a:latin typeface="Arial" pitchFamily="34" charset="0"/>
-                <a:ea typeface="ＭＳ Ｐゴシック" pitchFamily="34" charset="-128"/>
-                <a:cs typeface="+mn-cs"/>
-              </a:rPr>
-              <a:t>Interaction (Hans-Jörg Schulz)</a:t>
+              <a:t>It is no longer possible to make bachelor projects within Bioinformatics.</a:t>
             </a:r>
             <a:endParaRPr lang="en-US" sz="1600" kern="1200" dirty="0">
               <a:latin typeface="Arial" pitchFamily="34" charset="0"/>
@@ -8547,23 +8657,23 @@
                 <a:latin typeface="Arial" pitchFamily="34" charset="0"/>
                 <a:ea typeface="ＭＳ Ｐゴシック" pitchFamily="34" charset="-128"/>
               </a:rPr>
-              <a:t> (or the next working day at 13.00 if June 8 is a Saturday or a </a:t>
-            </a:r>
-            <a:r>
-              <a:rPr lang="en-US" sz="1600" kern="1200">
-                <a:latin typeface="Arial" pitchFamily="34" charset="0"/>
-                <a:ea typeface="ＭＳ Ｐゴシック" pitchFamily="34" charset="-128"/>
-              </a:rPr>
-              <a:t>Sunday</a:t>
-            </a:r>
-            <a:r>
-              <a:rPr lang="en-US" sz="1600" kern="1200" smtClean="0">
-                <a:latin typeface="Arial" pitchFamily="34" charset="0"/>
-                <a:ea typeface="ＭＳ Ｐゴシック" pitchFamily="34" charset="-128"/>
-              </a:rPr>
-              <a:t>)</a:t>
-            </a:r>
-            <a:endParaRPr lang="en-GB" sz="1600" kern="1200" dirty="0" smtClean="0">
+              <a:t> (or the next working day at 13.00 if June 8 is a Saturday or a Sunday</a:t>
+            </a:r>
+            <a:r>
+              <a:rPr lang="en-US" sz="1600" kern="1200" dirty="0" smtClean="0">
+                <a:latin typeface="Arial" pitchFamily="34" charset="0"/>
+                <a:ea typeface="ＭＳ Ｐゴシック" pitchFamily="34" charset="-128"/>
+              </a:rPr>
+              <a:t>) – </a:t>
+            </a:r>
+            <a:r>
+              <a:rPr lang="en-US" sz="1600" b="1" kern="1200" dirty="0" smtClean="0">
+                <a:latin typeface="Arial" pitchFamily="34" charset="0"/>
+                <a:ea typeface="ＭＳ Ｐゴシック" pitchFamily="34" charset="-128"/>
+              </a:rPr>
+              <a:t>2025: June 9 at 13.00</a:t>
+            </a:r>
+            <a:endParaRPr lang="en-GB" sz="1600" b="1" kern="1200" dirty="0" smtClean="0">
               <a:latin typeface="Arial" pitchFamily="34" charset="0"/>
               <a:ea typeface="ＭＳ Ｐゴシック" pitchFamily="34" charset="-128"/>
             </a:endParaRPr>
@@ -8876,7 +8986,7 @@
         <p:spPr>
           <a:xfrm>
             <a:off x="488699" y="1052736"/>
-            <a:ext cx="8403781" cy="5040560"/>
+            <a:ext cx="8403781" cy="5348064"/>
           </a:xfrm>
           <a:noFill/>
         </p:spPr>
@@ -9063,8 +9173,24 @@
             </a:pPr>
             <a:r>
               <a:rPr lang="en-GB" altLang="da-DK" sz="1600" dirty="0" smtClean="0"/>
-              <a:t>It is possible to have mixed groups with both cs and it students</a:t>
-            </a:r>
+              <a:t>It is possible to have mixed groups with both cs and it </a:t>
+            </a:r>
+            <a:r>
+              <a:rPr lang="en-GB" altLang="da-DK" sz="1600" dirty="0" smtClean="0"/>
+              <a:t>students</a:t>
+            </a:r>
+          </a:p>
+          <a:p>
+            <a:pPr marL="728663" lvl="1" indent="-271463">
+              <a:spcBef>
+                <a:spcPts val="300"/>
+              </a:spcBef>
+            </a:pPr>
+            <a:r>
+              <a:rPr lang="en-GB" altLang="da-DK" sz="1600" dirty="0" smtClean="0"/>
+              <a:t>It is difficult to mix 10ECTS and 15 ECTS</a:t>
+            </a:r>
+            <a:endParaRPr lang="en-GB" altLang="da-DK" sz="1600" dirty="0" smtClean="0"/>
           </a:p>
           <a:p>
             <a:pPr marL="728663" lvl="1" indent="-271463">
@@ -9235,7 +9361,7 @@
         <p:spPr>
           <a:xfrm>
             <a:off x="468313" y="1124745"/>
-            <a:ext cx="8496175" cy="5472608"/>
+            <a:ext cx="8496175" cy="5040559"/>
           </a:xfrm>
           <a:noFill/>
         </p:spPr>
@@ -10036,7 +10162,15 @@
                   <a:srgbClr val="008000"/>
                 </a:solidFill>
               </a:rPr>
-              <a:t>Monday December 4 </a:t>
+              <a:t>Monday December </a:t>
+            </a:r>
+            <a:r>
+              <a:rPr lang="en-GB" sz="1600" b="1" dirty="0" smtClean="0">
+                <a:solidFill>
+                  <a:srgbClr val="008000"/>
+                </a:solidFill>
+              </a:rPr>
+              <a:t>2 </a:t>
             </a:r>
             <a:r>
               <a:rPr lang="en-GB" sz="1600" dirty="0"/>
@@ -10048,94 +10182,15 @@
                   <a:srgbClr val="008000"/>
                 </a:solidFill>
               </a:rPr>
-              <a:t> Sunday January 14.</a:t>
-            </a:r>
-          </a:p>
-          <a:p>
-            <a:pPr marL="728663" lvl="1" indent="-271463">
-              <a:spcBef>
-                <a:spcPts val="300"/>
-              </a:spcBef>
-            </a:pPr>
-            <a:r>
-              <a:rPr lang="en-GB" sz="1600" dirty="0" smtClean="0"/>
-              <a:t>For </a:t>
-            </a:r>
-            <a:r>
-              <a:rPr lang="en-GB" sz="1600" dirty="0"/>
-              <a:t>more details see the Brightspace page </a:t>
-            </a:r>
-            <a:r>
-              <a:rPr lang="en-GB" sz="1600" b="1" dirty="0">
+              <a:t> Sunday January </a:t>
+            </a:r>
+            <a:r>
+              <a:rPr lang="en-GB" sz="1600" b="1" dirty="0" smtClean="0">
                 <a:solidFill>
                   <a:srgbClr val="008000"/>
                 </a:solidFill>
               </a:rPr>
-              <a:t>Registration of bachelor project groups</a:t>
-            </a:r>
-            <a:r>
-              <a:rPr lang="en-GB" sz="1600" dirty="0"/>
-              <a:t> </a:t>
-            </a:r>
-            <a:r>
-              <a:rPr lang="en-GB" sz="1600" dirty="0" smtClean="0"/>
-              <a:t>which </a:t>
-            </a:r>
-            <a:r>
-              <a:rPr lang="en-GB" sz="1600" dirty="0"/>
-              <a:t>will become </a:t>
-            </a:r>
-            <a:r>
-              <a:rPr lang="en-GB" sz="1600" dirty="0" smtClean="0"/>
-              <a:t>available </a:t>
-            </a:r>
-            <a:r>
-              <a:rPr lang="en-GB" sz="1600" dirty="0"/>
-              <a:t>on Monday December </a:t>
-            </a:r>
-            <a:r>
-              <a:rPr lang="en-GB" sz="1600" dirty="0" smtClean="0"/>
-              <a:t>4</a:t>
-            </a:r>
-            <a:endParaRPr lang="en-GB" sz="1600" dirty="0"/>
-          </a:p>
-          <a:p>
-            <a:pPr marL="728663" lvl="1" indent="-271463">
-              <a:spcBef>
-                <a:spcPts val="300"/>
-              </a:spcBef>
-            </a:pPr>
-            <a:r>
-              <a:rPr lang="en-GB" sz="1600" dirty="0"/>
-              <a:t>To register you do </a:t>
-            </a:r>
-            <a:r>
-              <a:rPr lang="en-GB" sz="1600" b="1" dirty="0">
-                <a:solidFill>
-                  <a:srgbClr val="008000"/>
-                </a:solidFill>
-              </a:rPr>
-              <a:t>not</a:t>
-            </a:r>
-            <a:r>
-              <a:rPr lang="en-GB" sz="1600" dirty="0"/>
-              <a:t> need to have chosen a concrete bachelor project, but you need to have formed a group of 1-3 persons and decided which </a:t>
-            </a:r>
-            <a:r>
-              <a:rPr lang="en-GB" sz="1600" b="1" dirty="0">
-                <a:solidFill>
-                  <a:srgbClr val="008000"/>
-                </a:solidFill>
-              </a:rPr>
-              <a:t>research group</a:t>
-            </a:r>
-            <a:r>
-              <a:rPr lang="en-GB" sz="1600" dirty="0"/>
-              <a:t> you want to work </a:t>
-            </a:r>
-            <a:r>
-              <a:rPr lang="en-GB" sz="1600" dirty="0" smtClean="0"/>
-              <a:t>with</a:t>
+              <a:t>12.</a:t>
             </a:r>
             <a:endParaRPr lang="en-GB" sz="1600" b="1" dirty="0" smtClean="0">
               <a:solidFill>
@@ -10144,6 +10199,98 @@
             </a:endParaRPr>
           </a:p>
           <a:p>
+            <a:pPr marL="728663" lvl="1" indent="-271463">
+              <a:spcBef>
+                <a:spcPts val="300"/>
+              </a:spcBef>
+            </a:pPr>
+            <a:r>
+              <a:rPr lang="en-GB" sz="1600" dirty="0" smtClean="0"/>
+              <a:t>For </a:t>
+            </a:r>
+            <a:r>
+              <a:rPr lang="en-GB" sz="1600" dirty="0"/>
+              <a:t>more details see the Brightspace page </a:t>
+            </a:r>
+            <a:r>
+              <a:rPr lang="en-GB" sz="1600" b="1" dirty="0">
+                <a:solidFill>
+                  <a:srgbClr val="008000"/>
+                </a:solidFill>
+              </a:rPr>
+              <a:t>Registration of bachelor project groups</a:t>
+            </a:r>
+            <a:r>
+              <a:rPr lang="en-GB" sz="1600" dirty="0"/>
+              <a:t> </a:t>
+            </a:r>
+            <a:r>
+              <a:rPr lang="en-GB" sz="1600" dirty="0" smtClean="0"/>
+              <a:t>which </a:t>
+            </a:r>
+            <a:r>
+              <a:rPr lang="en-GB" sz="1600" dirty="0"/>
+              <a:t>will become </a:t>
+            </a:r>
+            <a:r>
+              <a:rPr lang="en-GB" sz="1600" dirty="0" smtClean="0"/>
+              <a:t>available </a:t>
+            </a:r>
+            <a:r>
+              <a:rPr lang="en-GB" sz="1600" dirty="0"/>
+              <a:t>on Monday December </a:t>
+            </a:r>
+            <a:r>
+              <a:rPr lang="en-GB" sz="1600" dirty="0" smtClean="0"/>
+              <a:t>4</a:t>
+            </a:r>
+            <a:endParaRPr lang="en-GB" sz="1600" dirty="0"/>
+          </a:p>
+          <a:p>
+            <a:pPr marL="728663" lvl="1" indent="-271463">
+              <a:spcBef>
+                <a:spcPts val="300"/>
+              </a:spcBef>
+            </a:pPr>
+            <a:r>
+              <a:rPr lang="en-GB" sz="1600" dirty="0"/>
+              <a:t>To register you do </a:t>
+            </a:r>
+            <a:r>
+              <a:rPr lang="en-GB" sz="1600" b="1" dirty="0">
+                <a:solidFill>
+                  <a:srgbClr val="008000"/>
+                </a:solidFill>
+              </a:rPr>
+              <a:t>not</a:t>
+            </a:r>
+            <a:r>
+              <a:rPr lang="en-GB" sz="1600" dirty="0"/>
+              <a:t> need to have chosen a concrete bachelor project, but you need to have formed a group of 1-3 persons and decided which </a:t>
+            </a:r>
+            <a:r>
+              <a:rPr lang="en-GB" sz="1600" b="1" dirty="0">
+                <a:solidFill>
+                  <a:srgbClr val="008000"/>
+                </a:solidFill>
+              </a:rPr>
+              <a:t>research group</a:t>
+            </a:r>
+            <a:r>
+              <a:rPr lang="en-GB" sz="1600" dirty="0"/>
+              <a:t> you want to work </a:t>
+            </a:r>
+            <a:r>
+              <a:rPr lang="en-GB" sz="1600" dirty="0" smtClean="0"/>
+              <a:t>with</a:t>
+            </a:r>
+            <a:endParaRPr lang="en-GB" sz="1600" b="1" dirty="0" smtClean="0">
+              <a:solidFill>
+                <a:srgbClr val="008000"/>
+              </a:solidFill>
+            </a:endParaRPr>
+          </a:p>
+          <a:p>
             <a:pPr marL="271463" lvl="1" indent="-271463">
               <a:spcBef>
                 <a:spcPts val="1200"/>
@@ -10250,22 +10397,11 @@
             </a:r>
             <a:r>
               <a:rPr lang="en-GB" sz="1600" dirty="0" smtClean="0"/>
-              <a:t>is 12</a:t>
-            </a:r>
-            <a:br>
+              <a:t>is </a:t>
+            </a:r>
+            <a:r>
               <a:rPr lang="en-GB" sz="1600" dirty="0" smtClean="0"/>
-            </a:br>
-            <a:r>
-              <a:rPr lang="en-GB" sz="1600" dirty="0" smtClean="0"/>
-              <a:t>(except Bioinformatics where it is </a:t>
-            </a:r>
-            <a:r>
-              <a:rPr lang="en-US" sz="1600" dirty="0" smtClean="0"/>
-              <a:t>3</a:t>
-            </a:r>
-            <a:r>
-              <a:rPr lang="en-GB" sz="1600" dirty="0" smtClean="0"/>
-              <a:t>)</a:t>
+              <a:t>12</a:t>
             </a:r>
             <a:endParaRPr lang="en-GB" sz="1600" b="1" dirty="0">
               <a:solidFill>

--- a/web/b25/0 Information Meeting.pptx
+++ b/web/b25/0 Information Meeting.pptx
@@ -4653,11 +4653,7 @@
             <a:pPr marL="358775"/>
             <a:r>
               <a:rPr lang="en-GB" altLang="da-DK" sz="2800" dirty="0" smtClean="0"/>
-              <a:t>Welcome to the information meeting for bachelor projects in the spring of </a:t>
-            </a:r>
-            <a:r>
-              <a:rPr lang="en-GB" altLang="da-DK" sz="2800" dirty="0" smtClean="0"/>
-              <a:t>2025</a:t>
+              <a:t>Welcome to the information meeting for bachelor projects in the spring of 2025</a:t>
             </a:r>
             <a:endParaRPr lang="en-GB" altLang="da-DK" sz="2800" dirty="0"/>
           </a:p>
@@ -5006,15 +5002,7 @@
             </a:pPr>
             <a:r>
               <a:rPr lang="en-GB" altLang="da-DK" sz="1600" spc="-30" dirty="0" smtClean="0"/>
-              <a:t>Meet advisors from the different research </a:t>
-            </a:r>
-            <a:r>
-              <a:rPr lang="en-GB" altLang="da-DK" sz="1600" spc="-30" dirty="0" smtClean="0"/>
-              <a:t>groups </a:t>
-            </a:r>
-            <a:r>
-              <a:rPr lang="en-GB" altLang="da-DK" sz="1600" spc="-30" dirty="0" smtClean="0"/>
-              <a:t>(outside auditorium)</a:t>
+              <a:t>Meet advisors from the different research groups (outside auditorium)</a:t>
             </a:r>
             <a:endParaRPr lang="en-GB" altLang="da-DK" sz="1600" spc="-30" dirty="0"/>
           </a:p>
@@ -5426,16 +5414,7 @@
                 </a:solidFill>
                 <a:cs typeface="ＭＳ Ｐゴシック" charset="0"/>
               </a:rPr>
-              <a:t>It is a good idea to update the contract </a:t>
-            </a:r>
-            <a:r>
-              <a:rPr lang="en-GB" altLang="da-DK" sz="1800" b="1" spc="-100" dirty="0" smtClean="0">
-                <a:solidFill>
-                  <a:srgbClr val="A50021"/>
-                </a:solidFill>
-                <a:cs typeface="ＭＳ Ｐゴシック" charset="0"/>
-              </a:rPr>
-              <a:t>with regular intervals during your project</a:t>
+              <a:t>It is a good idea to update the contract with regular intervals during your project</a:t>
             </a:r>
             <a:endParaRPr lang="en-GB" altLang="da-DK" sz="1800" b="1" spc="-100" dirty="0">
               <a:solidFill>
@@ -5744,11 +5723,7 @@
             </a:r>
             <a:r>
               <a:rPr lang="en-US" altLang="da-DK" sz="1600" spc="-50" dirty="0"/>
-              <a:t>(by Kurt Jensen</a:t>
-            </a:r>
-            <a:r>
-              <a:rPr lang="en-US" altLang="da-DK" sz="1600" spc="-50" dirty="0"/>
-              <a:t>)</a:t>
+              <a:t>(by Kurt Jensen)</a:t>
             </a:r>
           </a:p>
           <a:p>
@@ -5854,16 +5829,7 @@
                 </a:solidFill>
                 <a:cs typeface="ＭＳ Ｐゴシック" charset="0"/>
               </a:rPr>
-              <a:t>Week </a:t>
-            </a:r>
-            <a:r>
-              <a:rPr lang="en-US" altLang="da-DK" sz="1800" b="1" dirty="0" smtClean="0">
-                <a:solidFill>
-                  <a:srgbClr val="A50021"/>
-                </a:solidFill>
-                <a:cs typeface="ＭＳ Ｐゴシック" charset="0"/>
-              </a:rPr>
-              <a:t>13</a:t>
+              <a:t>Week 13</a:t>
             </a:r>
             <a:endParaRPr lang="en-US" altLang="da-DK" sz="1800" b="1" dirty="0">
               <a:solidFill>
@@ -6080,11 +6046,7 @@
             </a:pPr>
             <a:r>
               <a:rPr lang="en-GB" altLang="da-DK" sz="1600" dirty="0" smtClean="0"/>
-              <a:t>Postings </a:t>
-            </a:r>
-            <a:r>
-              <a:rPr lang="en-GB" altLang="da-DK" sz="1600" dirty="0" smtClean="0"/>
-              <a:t>on “</a:t>
+              <a:t>Postings on “</a:t>
             </a:r>
             <a:r>
               <a:rPr lang="en-GB" altLang="da-DK" sz="1600" noProof="1" smtClean="0"/>
@@ -6241,11 +6203,7 @@
             </a:r>
             <a:r>
               <a:rPr lang="en-GB" altLang="da-DK" sz="1600" b="1" dirty="0" smtClean="0"/>
-              <a:t>Material from the individual research </a:t>
-            </a:r>
-            <a:r>
-              <a:rPr lang="en-GB" altLang="da-DK" sz="1600" b="1" dirty="0" smtClean="0"/>
-              <a:t>groups</a:t>
+              <a:t>Material from the individual research groups</a:t>
             </a:r>
             <a:r>
               <a:rPr lang="en-GB" altLang="da-DK" sz="1600" dirty="0" smtClean="0"/>
@@ -6262,7 +6220,6 @@
               <a:rPr lang="en-GB" altLang="da-DK" sz="1600" dirty="0" smtClean="0"/>
               <a:t>Most of these pages are empty, but 2-3 research groups use them</a:t>
             </a:r>
-            <a:endParaRPr lang="en-GB" altLang="da-DK" sz="1600" dirty="0" smtClean="0"/>
           </a:p>
         </p:txBody>
       </p:sp>
@@ -7173,7 +7130,7 @@
                   <a:srgbClr val="A50021"/>
                 </a:solidFill>
               </a:rPr>
-              <a:t>There will be a total of approximately </a:t>
+              <a:t>There will be a total of </a:t>
             </a:r>
             <a:r>
               <a:rPr lang="en-GB" altLang="da-DK" sz="1800" b="1" dirty="0" smtClean="0">
@@ -7181,7 +7138,7 @@
                   <a:srgbClr val="A50021"/>
                 </a:solidFill>
               </a:rPr>
-              <a:t>115 </a:t>
+              <a:t>119 </a:t>
             </a:r>
             <a:r>
               <a:rPr lang="en-GB" altLang="da-DK" sz="1800" b="1" dirty="0" smtClean="0">
@@ -7189,21 +7146,8 @@
                   <a:srgbClr val="A50021"/>
                 </a:solidFill>
               </a:rPr>
-              <a:t>students doing their cs / it bachelor project in the Spring of </a:t>
-            </a:r>
-            <a:r>
-              <a:rPr lang="en-GB" altLang="da-DK" sz="1800" b="1" dirty="0" smtClean="0">
-                <a:solidFill>
-                  <a:srgbClr val="A50021"/>
-                </a:solidFill>
-              </a:rPr>
-              <a:t>2025</a:t>
-            </a:r>
-            <a:endParaRPr lang="en-GB" altLang="da-DK" sz="1800" b="1" dirty="0" smtClean="0">
-              <a:solidFill>
-                <a:srgbClr val="A50021"/>
-              </a:solidFill>
-            </a:endParaRPr>
+              <a:t>students doing their cs / it bachelor project in the Spring of 2025</a:t>
+            </a:r>
           </a:p>
           <a:p>
             <a:pPr marL="728663" lvl="1" indent="-271463">
@@ -7213,23 +7157,7 @@
             </a:pPr>
             <a:r>
               <a:rPr lang="en-GB" altLang="da-DK" sz="1600" dirty="0" smtClean="0"/>
-              <a:t>Officially</a:t>
-            </a:r>
-            <a:r>
-              <a:rPr lang="en-GB" altLang="da-DK" sz="1600" dirty="0" smtClean="0"/>
-              <a:t>, there are </a:t>
-            </a:r>
-            <a:r>
-              <a:rPr lang="en-GB" altLang="da-DK" sz="1600" dirty="0" smtClean="0"/>
-              <a:t>three </a:t>
-            </a:r>
-            <a:r>
-              <a:rPr lang="en-GB" altLang="da-DK" sz="1600" dirty="0" smtClean="0"/>
-              <a:t>different bachelor project </a:t>
-            </a:r>
-            <a:r>
-              <a:rPr lang="en-GB" altLang="da-DK" sz="1600" dirty="0" smtClean="0"/>
-              <a:t>courses (one for </a:t>
+              <a:t>Officially, there are three different bachelor project courses (one for </a:t>
             </a:r>
             <a:r>
               <a:rPr lang="en-GB" altLang="da-DK" sz="1600" dirty="0" err="1" smtClean="0"/>
@@ -7237,11 +7165,7 @@
             </a:r>
             <a:r>
               <a:rPr lang="en-GB" altLang="da-DK" sz="1600" dirty="0" smtClean="0"/>
-              <a:t>, one for it and one for 10 ECTS projects), </a:t>
-            </a:r>
-            <a:r>
-              <a:rPr lang="en-GB" altLang="da-DK" sz="1600" dirty="0" smtClean="0"/>
-              <a:t>but in practice, they are organised as a single course with one Brightspace page and common lectures</a:t>
+              <a:t>, one for it and one for 10 ECTS projects), but in practice, they are organised as a single course with one Brightspace page and common lectures</a:t>
             </a:r>
             <a:endParaRPr lang="en-GB" altLang="da-DK" sz="1600" dirty="0" smtClean="0">
               <a:solidFill>
@@ -7288,11 +7212,6 @@
               </a:rPr>
               <a:t>ECTS (with a few exceptions)</a:t>
             </a:r>
-            <a:endParaRPr lang="en-GB" altLang="da-DK" sz="1800" b="1" dirty="0" smtClean="0">
-              <a:solidFill>
-                <a:srgbClr val="A50021"/>
-              </a:solidFill>
-            </a:endParaRPr>
           </a:p>
           <a:p>
             <a:pPr marL="728663" lvl="1" indent="-271463">
@@ -7503,7 +7422,15 @@
             </a:pPr>
             <a:r>
               <a:rPr lang="en-GB" altLang="da-DK" sz="1800" noProof="0" dirty="0" smtClean="0"/>
-              <a:t>It will be possible to make the bachelor projects within the following research groups</a:t>
+              <a:t>It will be possible to make the bachelor projects within the following </a:t>
+            </a:r>
+            <a:r>
+              <a:rPr lang="en-GB" altLang="da-DK" sz="1800" noProof="0" dirty="0" smtClean="0"/>
+              <a:t>seven research </a:t>
+            </a:r>
+            <a:r>
+              <a:rPr lang="en-GB" altLang="da-DK" sz="1800" noProof="0" dirty="0" smtClean="0"/>
+              <a:t>groups</a:t>
             </a:r>
           </a:p>
           <a:p>
@@ -7685,15 +7612,15 @@
                 <a:ea typeface="ＭＳ Ｐゴシック" pitchFamily="34" charset="-128"/>
                 <a:cs typeface="+mn-cs"/>
               </a:rPr>
-              <a:t>Systems (Ira </a:t>
-            </a:r>
-            <a:r>
-              <a:rPr lang="en-US" sz="1600" kern="1200" dirty="0">
+              <a:t>Systems (</a:t>
+            </a:r>
+            <a:r>
+              <a:rPr lang="en-US" sz="1600" kern="1200" dirty="0" err="1" smtClean="0">
                 <a:latin typeface="Arial" pitchFamily="34" charset="0"/>
                 <a:ea typeface="ＭＳ Ｐゴシック" pitchFamily="34" charset="-128"/>
                 <a:cs typeface="+mn-cs"/>
               </a:rPr>
-              <a:t>Assent &amp; Davide </a:t>
+              <a:t>Akhil</a:t>
             </a:r>
             <a:r>
               <a:rPr lang="en-US" sz="1600" kern="1200" dirty="0" smtClean="0">
@@ -7701,7 +7628,7 @@
                 <a:ea typeface="ＭＳ Ｐゴシック" pitchFamily="34" charset="-128"/>
                 <a:cs typeface="+mn-cs"/>
               </a:rPr>
-              <a:t>Mottin)</a:t>
+              <a:t> Arora)</a:t>
             </a:r>
             <a:endParaRPr lang="en-US" sz="1600" kern="1200" dirty="0">
               <a:latin typeface="Arial" pitchFamily="34" charset="0"/>
@@ -7773,15 +7700,7 @@
                 <a:ea typeface="ＭＳ Ｐゴシック" pitchFamily="34" charset="-128"/>
                 <a:cs typeface="+mn-cs"/>
               </a:rPr>
-              <a:t>Interaction (Hans-Jörg Schulz</a:t>
-            </a:r>
-            <a:r>
-              <a:rPr lang="en-US" sz="1600" kern="1200" dirty="0" smtClean="0">
-                <a:latin typeface="Arial" pitchFamily="34" charset="0"/>
-                <a:ea typeface="ＭＳ Ｐゴシック" pitchFamily="34" charset="-128"/>
-                <a:cs typeface="+mn-cs"/>
-              </a:rPr>
-              <a:t>)</a:t>
+              <a:t>Interaction (Hans-Jörg Schulz)</a:t>
             </a:r>
           </a:p>
           <a:p>
@@ -7809,7 +7728,15 @@
                 <a:ea typeface="ＭＳ Ｐゴシック" pitchFamily="34" charset="-128"/>
                 <a:cs typeface="+mn-cs"/>
               </a:rPr>
-              <a:t>It is no longer possible to make bachelor projects within Bioinformatics.</a:t>
+              <a:t>It is no longer possible to make bachelor projects within </a:t>
+            </a:r>
+            <a:r>
+              <a:rPr lang="en-US" sz="1600" kern="1200" dirty="0" smtClean="0">
+                <a:latin typeface="Arial" pitchFamily="34" charset="0"/>
+                <a:ea typeface="ＭＳ Ｐゴシック" pitchFamily="34" charset="-128"/>
+                <a:cs typeface="+mn-cs"/>
+              </a:rPr>
+              <a:t>Bioinformatics</a:t>
             </a:r>
             <a:endParaRPr lang="en-US" sz="1600" kern="1200" dirty="0">
               <a:latin typeface="Arial" pitchFamily="34" charset="0"/>
@@ -9173,24 +9100,27 @@
             </a:pPr>
             <a:r>
               <a:rPr lang="en-GB" altLang="da-DK" sz="1600" dirty="0" smtClean="0"/>
-              <a:t>It is possible to have mixed groups with both cs and it </a:t>
-            </a:r>
+              <a:t>It is possible to have mixed groups with both cs and it students</a:t>
+            </a:r>
+          </a:p>
+          <a:p>
+            <a:pPr marL="728663" lvl="1" indent="-271463">
+              <a:spcBef>
+                <a:spcPts val="300"/>
+              </a:spcBef>
+            </a:pPr>
             <a:r>
               <a:rPr lang="en-GB" altLang="da-DK" sz="1600" dirty="0" smtClean="0"/>
-              <a:t>students</a:t>
-            </a:r>
-          </a:p>
-          <a:p>
-            <a:pPr marL="728663" lvl="1" indent="-271463">
-              <a:spcBef>
-                <a:spcPts val="300"/>
-              </a:spcBef>
-            </a:pPr>
+              <a:t>It is </a:t>
+            </a:r>
             <a:r>
               <a:rPr lang="en-GB" altLang="da-DK" sz="1600" dirty="0" smtClean="0"/>
-              <a:t>It is difficult to mix 10ECTS and 15 ECTS</a:t>
-            </a:r>
-            <a:endParaRPr lang="en-GB" altLang="da-DK" sz="1600" dirty="0" smtClean="0"/>
+              <a:t>more difficult </a:t>
+            </a:r>
+            <a:r>
+              <a:rPr lang="en-GB" altLang="da-DK" sz="1600" dirty="0" smtClean="0"/>
+              <a:t>to mix 10ECTS and 15 ECTS</a:t>
+            </a:r>
           </a:p>
           <a:p>
             <a:pPr marL="728663" lvl="1" indent="-271463">
@@ -9782,7 +9712,21 @@
                 <a:latin typeface="Arial" pitchFamily="34" charset="0"/>
                 <a:ea typeface="ＭＳ Ｐゴシック" pitchFamily="34" charset="-128"/>
               </a:rPr>
-              <a:t>Your schedules should allow you to meet and work together many hours each week (this is not trivial, so it should be checked/planned)</a:t>
+              <a:t>Your </a:t>
+            </a:r>
+            <a:r>
+              <a:rPr lang="en-GB" altLang="da-DK" sz="1600" kern="1200" dirty="0" smtClean="0">
+                <a:latin typeface="Arial" pitchFamily="34" charset="0"/>
+                <a:ea typeface="ＭＳ Ｐゴシック" pitchFamily="34" charset="-128"/>
+              </a:rPr>
+              <a:t>time schedules </a:t>
+            </a:r>
+            <a:r>
+              <a:rPr lang="en-GB" altLang="da-DK" sz="1600" kern="1200" dirty="0" smtClean="0">
+                <a:latin typeface="Arial" pitchFamily="34" charset="0"/>
+                <a:ea typeface="ＭＳ Ｐゴシック" pitchFamily="34" charset="-128"/>
+              </a:rPr>
+              <a:t>should allow you to meet and work together many hours each week (this is not trivial, so it should be checked/planned)</a:t>
             </a:r>
           </a:p>
           <a:p>
@@ -10162,15 +10106,7 @@
                   <a:srgbClr val="008000"/>
                 </a:solidFill>
               </a:rPr>
-              <a:t>Monday December </a:t>
-            </a:r>
-            <a:r>
-              <a:rPr lang="en-GB" sz="1600" b="1" dirty="0" smtClean="0">
-                <a:solidFill>
-                  <a:srgbClr val="008000"/>
-                </a:solidFill>
-              </a:rPr>
-              <a:t>2 </a:t>
+              <a:t>Monday December 2 </a:t>
             </a:r>
             <a:r>
               <a:rPr lang="en-GB" sz="1600" dirty="0"/>
@@ -10182,15 +10118,94 @@
                   <a:srgbClr val="008000"/>
                 </a:solidFill>
               </a:rPr>
-              <a:t> Sunday January </a:t>
-            </a:r>
-            <a:r>
-              <a:rPr lang="en-GB" sz="1600" b="1" dirty="0" smtClean="0">
+              <a:t> Sunday January 12.</a:t>
+            </a:r>
+          </a:p>
+          <a:p>
+            <a:pPr marL="728663" lvl="1" indent="-271463">
+              <a:spcBef>
+                <a:spcPts val="300"/>
+              </a:spcBef>
+            </a:pPr>
+            <a:r>
+              <a:rPr lang="en-GB" sz="1600" dirty="0" smtClean="0"/>
+              <a:t>For </a:t>
+            </a:r>
+            <a:r>
+              <a:rPr lang="en-GB" sz="1600" dirty="0"/>
+              <a:t>more details see the Brightspace page </a:t>
+            </a:r>
+            <a:r>
+              <a:rPr lang="en-GB" sz="1600" b="1" dirty="0">
                 <a:solidFill>
                   <a:srgbClr val="008000"/>
                 </a:solidFill>
               </a:rPr>
-              <a:t>12.</a:t>
+              <a:t>Registration of bachelor project groups</a:t>
+            </a:r>
+            <a:r>
+              <a:rPr lang="en-GB" sz="1600" dirty="0"/>
+              <a:t> </a:t>
+            </a:r>
+            <a:r>
+              <a:rPr lang="en-GB" sz="1600" dirty="0" smtClean="0"/>
+              <a:t>which </a:t>
+            </a:r>
+            <a:r>
+              <a:rPr lang="en-GB" sz="1600" dirty="0"/>
+              <a:t>will become </a:t>
+            </a:r>
+            <a:r>
+              <a:rPr lang="en-GB" sz="1600" dirty="0" smtClean="0"/>
+              <a:t>available </a:t>
+            </a:r>
+            <a:r>
+              <a:rPr lang="en-GB" sz="1600" dirty="0"/>
+              <a:t>on Monday December </a:t>
+            </a:r>
+            <a:r>
+              <a:rPr lang="en-GB" sz="1600" dirty="0" smtClean="0"/>
+              <a:t>2</a:t>
+            </a:r>
+            <a:endParaRPr lang="en-GB" sz="1600" dirty="0"/>
+          </a:p>
+          <a:p>
+            <a:pPr marL="728663" lvl="1" indent="-271463">
+              <a:spcBef>
+                <a:spcPts val="300"/>
+              </a:spcBef>
+            </a:pPr>
+            <a:r>
+              <a:rPr lang="en-GB" sz="1600" dirty="0"/>
+              <a:t>To register you do </a:t>
+            </a:r>
+            <a:r>
+              <a:rPr lang="en-GB" sz="1600" b="1" dirty="0">
+                <a:solidFill>
+                  <a:srgbClr val="008000"/>
+                </a:solidFill>
+              </a:rPr>
+              <a:t>not</a:t>
+            </a:r>
+            <a:r>
+              <a:rPr lang="en-GB" sz="1600" dirty="0"/>
+              <a:t> need to have chosen a concrete bachelor project, but you need to have formed a group of 1-3 persons and decided which </a:t>
+            </a:r>
+            <a:r>
+              <a:rPr lang="en-GB" sz="1600" b="1" dirty="0">
+                <a:solidFill>
+                  <a:srgbClr val="008000"/>
+                </a:solidFill>
+              </a:rPr>
+              <a:t>research group</a:t>
+            </a:r>
+            <a:r>
+              <a:rPr lang="en-GB" sz="1600" dirty="0"/>
+              <a:t> you want to work </a:t>
+            </a:r>
+            <a:r>
+              <a:rPr lang="en-GB" sz="1600" dirty="0" smtClean="0"/>
+              <a:t>with</a:t>
             </a:r>
             <a:endParaRPr lang="en-GB" sz="1600" b="1" dirty="0" smtClean="0">
               <a:solidFill>
@@ -10199,98 +10214,6 @@
             </a:endParaRPr>
           </a:p>
           <a:p>
-            <a:pPr marL="728663" lvl="1" indent="-271463">
-              <a:spcBef>
-                <a:spcPts val="300"/>
-              </a:spcBef>
-            </a:pPr>
-            <a:r>
-              <a:rPr lang="en-GB" sz="1600" dirty="0" smtClean="0"/>
-              <a:t>For </a:t>
-            </a:r>
-            <a:r>
-              <a:rPr lang="en-GB" sz="1600" dirty="0"/>
-              <a:t>more details see the Brightspace page </a:t>
-            </a:r>
-            <a:r>
-              <a:rPr lang="en-GB" sz="1600" b="1" dirty="0">
-                <a:solidFill>
-                  <a:srgbClr val="008000"/>
-                </a:solidFill>
-              </a:rPr>
-              <a:t>Registration of bachelor project groups</a:t>
-            </a:r>
-            <a:r>
-              <a:rPr lang="en-GB" sz="1600" dirty="0"/>
-              <a:t> </a:t>
-            </a:r>
-            <a:r>
-              <a:rPr lang="en-GB" sz="1600" dirty="0" smtClean="0"/>
-              <a:t>which </a:t>
-            </a:r>
-            <a:r>
-              <a:rPr lang="en-GB" sz="1600" dirty="0"/>
-              <a:t>will become </a:t>
-            </a:r>
-            <a:r>
-              <a:rPr lang="en-GB" sz="1600" dirty="0" smtClean="0"/>
-              <a:t>available </a:t>
-            </a:r>
-            <a:r>
-              <a:rPr lang="en-GB" sz="1600" dirty="0"/>
-              <a:t>on Monday December </a:t>
-            </a:r>
-            <a:r>
-              <a:rPr lang="en-GB" sz="1600" dirty="0" smtClean="0"/>
-              <a:t>4</a:t>
-            </a:r>
-            <a:endParaRPr lang="en-GB" sz="1600" dirty="0"/>
-          </a:p>
-          <a:p>
-            <a:pPr marL="728663" lvl="1" indent="-271463">
-              <a:spcBef>
-                <a:spcPts val="300"/>
-              </a:spcBef>
-            </a:pPr>
-            <a:r>
-              <a:rPr lang="en-GB" sz="1600" dirty="0"/>
-              <a:t>To register you do </a:t>
-            </a:r>
-            <a:r>
-              <a:rPr lang="en-GB" sz="1600" b="1" dirty="0">
-                <a:solidFill>
-                  <a:srgbClr val="008000"/>
-                </a:solidFill>
-              </a:rPr>
-              <a:t>not</a:t>
-            </a:r>
-            <a:r>
-              <a:rPr lang="en-GB" sz="1600" dirty="0"/>
-              <a:t> need to have chosen a concrete bachelor project, but you need to have formed a group of 1-3 persons and decided which </a:t>
-            </a:r>
-            <a:r>
-              <a:rPr lang="en-GB" sz="1600" b="1" dirty="0">
-                <a:solidFill>
-                  <a:srgbClr val="008000"/>
-                </a:solidFill>
-              </a:rPr>
-              <a:t>research group</a:t>
-            </a:r>
-            <a:r>
-              <a:rPr lang="en-GB" sz="1600" dirty="0"/>
-              <a:t> you want to work </a:t>
-            </a:r>
-            <a:r>
-              <a:rPr lang="en-GB" sz="1600" dirty="0" smtClean="0"/>
-              <a:t>with</a:t>
-            </a:r>
-            <a:endParaRPr lang="en-GB" sz="1600" b="1" dirty="0" smtClean="0">
-              <a:solidFill>
-                <a:srgbClr val="008000"/>
-              </a:solidFill>
-            </a:endParaRPr>
-          </a:p>
-          <a:p>
             <a:pPr marL="271463" lvl="1" indent="-271463">
               <a:spcBef>
                 <a:spcPts val="1200"/>
@@ -10397,11 +10320,7 @@
             </a:r>
             <a:r>
               <a:rPr lang="en-GB" sz="1600" dirty="0" smtClean="0"/>
-              <a:t>is </a:t>
-            </a:r>
-            <a:r>
-              <a:rPr lang="en-GB" sz="1600" dirty="0" smtClean="0"/>
-              <a:t>12</a:t>
+              <a:t>is 12</a:t>
             </a:r>
             <a:endParaRPr lang="en-GB" sz="1600" b="1" dirty="0">
               <a:solidFill>
